--- a/e-learning with uipath (udemy).pptx
+++ b/e-learning with uipath (udemy).pptx
@@ -114,6 +114,51 @@
     </p:ext>
   </p:extLst>
 </p:presentation>
+</file>
+
+<file path=ppt/revisionInfo.xml><?xml version="1.0" encoding="utf-8"?>
+<p1510:revInfo xmlns:a="http://schemas.openxmlformats.org/drawingml/2006/main" xmlns:r="http://schemas.openxmlformats.org/officeDocument/2006/relationships" xmlns:p1510="http://schemas.microsoft.com/office/powerpoint/2015/10/main">
+  <p1510:revLst>
+    <p1510:client id="{55807E43-C1A1-47EB-AB73-ED3BC4E2C908}" v="12" dt="2024-08-01T08:39:12.791"/>
+  </p1510:revLst>
+</p1510:revInfo>
+</file>
+
+<file path=ppt/changesInfos/changesInfo1.xml><?xml version="1.0" encoding="utf-8"?>
+<pc:chgInfo xmlns:a="http://schemas.openxmlformats.org/drawingml/2006/main" xmlns:r="http://schemas.openxmlformats.org/officeDocument/2006/relationships" xmlns:ac="http://schemas.microsoft.com/office/drawing/2013/main/command" xmlns:pc="http://schemas.microsoft.com/office/powerpoint/2013/main/command">
+  <pc:docChgLst>
+    <pc:chgData name="Alan CHOW (NYP)" userId="7c6840e7-cb2d-422f-becd-63f9a16762e5" providerId="ADAL" clId="{55807E43-C1A1-47EB-AB73-ED3BC4E2C908}"/>
+    <pc:docChg chg="modSld">
+      <pc:chgData name="Alan CHOW (NYP)" userId="7c6840e7-cb2d-422f-becd-63f9a16762e5" providerId="ADAL" clId="{55807E43-C1A1-47EB-AB73-ED3BC4E2C908}" dt="2024-08-01T08:39:12.791" v="12"/>
+      <pc:docMkLst>
+        <pc:docMk/>
+      </pc:docMkLst>
+      <pc:sldChg chg="addSp modSp mod">
+        <pc:chgData name="Alan CHOW (NYP)" userId="7c6840e7-cb2d-422f-becd-63f9a16762e5" providerId="ADAL" clId="{55807E43-C1A1-47EB-AB73-ED3BC4E2C908}" dt="2024-08-01T08:39:12.791" v="12"/>
+        <pc:sldMkLst>
+          <pc:docMk/>
+          <pc:sldMk cId="1481832965" sldId="257"/>
+        </pc:sldMkLst>
+        <pc:graphicFrameChg chg="add mod">
+          <ac:chgData name="Alan CHOW (NYP)" userId="7c6840e7-cb2d-422f-becd-63f9a16762e5" providerId="ADAL" clId="{55807E43-C1A1-47EB-AB73-ED3BC4E2C908}" dt="2024-08-01T08:37:51.317" v="1"/>
+          <ac:graphicFrameMkLst>
+            <pc:docMk/>
+            <pc:sldMk cId="1481832965" sldId="257"/>
+            <ac:graphicFrameMk id="4" creationId="{6C59F1C1-D243-55EE-1F43-D00D2D10F052}"/>
+          </ac:graphicFrameMkLst>
+        </pc:graphicFrameChg>
+        <pc:graphicFrameChg chg="add mod">
+          <ac:chgData name="Alan CHOW (NYP)" userId="7c6840e7-cb2d-422f-becd-63f9a16762e5" providerId="ADAL" clId="{55807E43-C1A1-47EB-AB73-ED3BC4E2C908}" dt="2024-08-01T08:39:12.791" v="12"/>
+          <ac:graphicFrameMkLst>
+            <pc:docMk/>
+            <pc:sldMk cId="1481832965" sldId="257"/>
+            <ac:graphicFrameMk id="6" creationId="{65614046-C2D7-8B36-B8A5-16BB784639E0}"/>
+          </ac:graphicFrameMkLst>
+        </pc:graphicFrameChg>
+      </pc:sldChg>
+    </pc:docChg>
+  </pc:docChgLst>
+</pc:chgInfo>
 </file>
 
 <file path=ppt/notesMasters/notesMaster1.xml><?xml version="1.0" encoding="utf-8"?>
@@ -4612,6 +4657,75 @@
           </a:prstGeom>
         </p:spPr>
       </p:pic>
+      <p:graphicFrame>
+        <p:nvGraphicFramePr>
+          <p:cNvPr id="6" name="Object 5">
+            <a:extLst>
+              <a:ext uri="{FF2B5EF4-FFF2-40B4-BE49-F238E27FC236}">
+                <a16:creationId xmlns:a16="http://schemas.microsoft.com/office/drawing/2014/main" id="{65614046-C2D7-8B36-B8A5-16BB784639E0}"/>
+              </a:ext>
+            </a:extLst>
+          </p:cNvPr>
+          <p:cNvGraphicFramePr>
+            <a:graphicFrameLocks noChangeAspect="1"/>
+          </p:cNvGraphicFramePr>
+          <p:nvPr>
+            <p:extLst>
+              <p:ext uri="{D42A27DB-BD31-4B8C-83A1-F6EECF244321}">
+                <p14:modId xmlns:p14="http://schemas.microsoft.com/office/powerpoint/2010/main" val="1087409869"/>
+              </p:ext>
+            </p:extLst>
+          </p:nvPr>
+        </p:nvGraphicFramePr>
+        <p:xfrm>
+          <a:off x="9013370" y="3162470"/>
+          <a:ext cx="982015" cy="1270996"/>
+        </p:xfrm>
+        <a:graphic>
+          <a:graphicData uri="http://schemas.openxmlformats.org/presentationml/2006/ole">
+            <mc:AlternateContent xmlns:mc="http://schemas.openxmlformats.org/markup-compatibility/2006">
+              <mc:Choice xmlns:v="urn:schemas-microsoft-com:vml" Requires="v">
+                <p:oleObj name="Acrobat Document" r:id="rId3" imgW="5829480" imgH="7543800" progId="Acrobat.Document.DC">
+                  <p:embed/>
+                </p:oleObj>
+              </mc:Choice>
+              <mc:Fallback>
+                <p:oleObj name="Acrobat Document" r:id="rId3" imgW="5829480" imgH="7543800" progId="Acrobat.Document.DC">
+                  <p:embed/>
+                  <p:pic>
+                    <p:nvPicPr>
+                      <p:cNvPr id="6" name="Object 5">
+                        <a:extLst>
+                          <a:ext uri="{FF2B5EF4-FFF2-40B4-BE49-F238E27FC236}">
+                            <a16:creationId xmlns:a16="http://schemas.microsoft.com/office/drawing/2014/main" id="{65614046-C2D7-8B36-B8A5-16BB784639E0}"/>
+                          </a:ext>
+                        </a:extLst>
+                      </p:cNvPr>
+                      <p:cNvPicPr/>
+                      <p:nvPr/>
+                    </p:nvPicPr>
+                    <p:blipFill>
+                      <a:blip r:embed="rId4"/>
+                      <a:stretch>
+                        <a:fillRect/>
+                      </a:stretch>
+                    </p:blipFill>
+                    <p:spPr>
+                      <a:xfrm>
+                        <a:off x="9013370" y="3162470"/>
+                        <a:ext cx="982015" cy="1270996"/>
+                      </a:xfrm>
+                      <a:prstGeom prst="rect">
+                        <a:avLst/>
+                      </a:prstGeom>
+                    </p:spPr>
+                  </p:pic>
+                </p:oleObj>
+              </mc:Fallback>
+            </mc:AlternateContent>
+          </a:graphicData>
+        </a:graphic>
+      </p:graphicFrame>
     </p:spTree>
     <p:extLst>
       <p:ext uri="{BB962C8B-B14F-4D97-AF65-F5344CB8AC3E}">
